--- a/STS3022 Soft Skills/reference materials/19_Critical Reasoning 1.3.pptx
+++ b/STS3022 Soft Skills/reference materials/19_Critical Reasoning 1.3.pptx
@@ -212,7 +212,7 @@
           <a:p>
             <a:fld id="{86DCA69C-DD03-425E-AFC2-BFEE179D6745}" type="datetimeFigureOut">
               <a:rPr lang="en-IN" smtClean="0"/>
-              <a:t>17-07-2018</a:t>
+              <a:t>30/03/22</a:t>
             </a:fld>
             <a:endParaRPr lang="en-IN"/>
           </a:p>
@@ -3572,7 +3572,7 @@
           <a:p>
             <a:fld id="{67A6FE37-C6B6-448D-B3C0-CCD7DF28B1A2}" type="datetimeFigureOut">
               <a:rPr lang="en-US" smtClean="0"/>
-              <a:t>7/17/2018</a:t>
+              <a:t>3/30/22</a:t>
             </a:fld>
             <a:endParaRPr lang="en-US" dirty="0"/>
           </a:p>
